--- a/Perl/2015-01-05_Perl1.pptx
+++ b/Perl/2015-01-05_Perl1.pptx
@@ -304,7 +304,7 @@
               <a:pPr>
                 <a:defRPr/>
               </a:pPr>
-              <a:t>1/5/15</a:t>
+              <a:t>15/01/15</a:t>
             </a:fld>
             <a:endParaRPr lang="en-US"/>
           </a:p>
@@ -919,6 +919,96 @@
 </p:notes>
 </file>
 
+<file path=ppt/notesSlides/notesSlide2.xml><?xml version="1.0" encoding="utf-8"?>
+<p:notes xmlns:a="http://schemas.openxmlformats.org/drawingml/2006/main" xmlns:r="http://schemas.openxmlformats.org/officeDocument/2006/relationships" xmlns:p="http://schemas.openxmlformats.org/presentationml/2006/main">
+  <p:cSld>
+    <p:spTree>
+      <p:nvGrpSpPr>
+        <p:cNvPr id="1" name=""/>
+        <p:cNvGrpSpPr/>
+        <p:nvPr/>
+      </p:nvGrpSpPr>
+      <p:grpSpPr>
+        <a:xfrm>
+          <a:off x="0" y="0"/>
+          <a:ext cx="0" cy="0"/>
+          <a:chOff x="0" y="0"/>
+          <a:chExt cx="0" cy="0"/>
+        </a:xfrm>
+      </p:grpSpPr>
+      <p:sp>
+        <p:nvSpPr>
+          <p:cNvPr id="2" name="Slide Image Placeholder 1"/>
+          <p:cNvSpPr>
+            <a:spLocks noGrp="1" noRot="1" noChangeAspect="1"/>
+          </p:cNvSpPr>
+          <p:nvPr>
+            <p:ph type="sldImg"/>
+          </p:nvPr>
+        </p:nvSpPr>
+        <p:spPr/>
+      </p:sp>
+      <p:sp>
+        <p:nvSpPr>
+          <p:cNvPr id="3" name="Notes Placeholder 2"/>
+          <p:cNvSpPr>
+            <a:spLocks noGrp="1"/>
+          </p:cNvSpPr>
+          <p:nvPr>
+            <p:ph type="body" idx="1"/>
+          </p:nvPr>
+        </p:nvSpPr>
+        <p:spPr/>
+        <p:txBody>
+          <a:bodyPr/>
+          <a:lstStyle/>
+          <a:p>
+            <a:endParaRPr lang="en-US" dirty="0"/>
+          </a:p>
+        </p:txBody>
+      </p:sp>
+      <p:sp>
+        <p:nvSpPr>
+          <p:cNvPr id="4" name="Slide Number Placeholder 3"/>
+          <p:cNvSpPr>
+            <a:spLocks noGrp="1"/>
+          </p:cNvSpPr>
+          <p:nvPr>
+            <p:ph type="sldNum" sz="quarter" idx="10"/>
+          </p:nvPr>
+        </p:nvSpPr>
+        <p:spPr/>
+        <p:txBody>
+          <a:bodyPr/>
+          <a:lstStyle/>
+          <a:p>
+            <a:pPr>
+              <a:defRPr/>
+            </a:pPr>
+            <a:fld id="{EAC7B50D-5B12-A14B-9246-D87B06429AF1}" type="slidenum">
+              <a:rPr lang="en-US" smtClean="0"/>
+              <a:pPr>
+                <a:defRPr/>
+              </a:pPr>
+              <a:t>34</a:t>
+            </a:fld>
+            <a:endParaRPr lang="en-US"/>
+          </a:p>
+        </p:txBody>
+      </p:sp>
+    </p:spTree>
+    <p:extLst>
+      <p:ext uri="{BB962C8B-B14F-4D97-AF65-F5344CB8AC3E}">
+        <p14:creationId xmlns:p14="http://schemas.microsoft.com/office/powerpoint/2010/main" val="3340482878"/>
+      </p:ext>
+    </p:extLst>
+  </p:cSld>
+  <p:clrMapOvr>
+    <a:masterClrMapping/>
+  </p:clrMapOvr>
+</p:notes>
+</file>
+
 <file path=ppt/slideLayouts/slideLayout1.xml><?xml version="1.0" encoding="utf-8"?>
 <p:sldLayout xmlns:a="http://schemas.openxmlformats.org/drawingml/2006/main" xmlns:r="http://schemas.openxmlformats.org/officeDocument/2006/relationships" xmlns:p="http://schemas.openxmlformats.org/presentationml/2006/main" type="title" preserve="1">
   <p:cSld name="Title Slide">
@@ -1391,7 +1481,7 @@
               <a:pPr>
                 <a:defRPr/>
               </a:pPr>
-              <a:t>1/5/15</a:t>
+              <a:t>15/01/15</a:t>
             </a:fld>
             <a:endParaRPr lang="en-US"/>
           </a:p>
@@ -2110,7 +2200,7 @@
               <a:pPr>
                 <a:defRPr/>
               </a:pPr>
-              <a:t>1/5/15</a:t>
+              <a:t>15/01/15</a:t>
             </a:fld>
             <a:endParaRPr lang="en-US"/>
           </a:p>
@@ -2695,7 +2785,7 @@
               <a:pPr>
                 <a:defRPr/>
               </a:pPr>
-              <a:t>1/5/15</a:t>
+              <a:t>15/01/15</a:t>
             </a:fld>
             <a:endParaRPr lang="en-US"/>
           </a:p>
@@ -3277,7 +3367,7 @@
               <a:pPr>
                 <a:defRPr/>
               </a:pPr>
-              <a:t>1/5/15</a:t>
+              <a:t>15/01/15</a:t>
             </a:fld>
             <a:endParaRPr lang="en-US"/>
           </a:p>
@@ -3739,7 +3829,7 @@
               <a:pPr>
                 <a:defRPr/>
               </a:pPr>
-              <a:t>1/5/15</a:t>
+              <a:t>15/01/15</a:t>
             </a:fld>
             <a:endParaRPr lang="en-US"/>
           </a:p>
@@ -4234,7 +4324,7 @@
               <a:pPr>
                 <a:defRPr/>
               </a:pPr>
-              <a:t>1/5/15</a:t>
+              <a:t>15/01/15</a:t>
             </a:fld>
             <a:endParaRPr lang="en-US"/>
           </a:p>
@@ -4696,7 +4786,7 @@
               <a:pPr>
                 <a:defRPr/>
               </a:pPr>
-              <a:t>1/5/15</a:t>
+              <a:t>15/01/15</a:t>
             </a:fld>
             <a:endParaRPr lang="en-US"/>
           </a:p>
@@ -5258,7 +5348,7 @@
               <a:pPr>
                 <a:defRPr/>
               </a:pPr>
-              <a:t>1/5/15</a:t>
+              <a:t>15/01/15</a:t>
             </a:fld>
             <a:endParaRPr lang="en-US"/>
           </a:p>
@@ -5715,7 +5805,7 @@
               <a:pPr>
                 <a:defRPr/>
               </a:pPr>
-              <a:t>1/5/15</a:t>
+              <a:t>15/01/15</a:t>
             </a:fld>
             <a:endParaRPr lang="en-US"/>
           </a:p>
@@ -6295,7 +6385,7 @@
               <a:pPr>
                 <a:defRPr/>
               </a:pPr>
-              <a:t>1/5/15</a:t>
+              <a:t>15/01/15</a:t>
             </a:fld>
             <a:endParaRPr lang="en-US"/>
           </a:p>
@@ -7077,7 +7167,7 @@
               <a:pPr>
                 <a:defRPr/>
               </a:pPr>
-              <a:t>1/5/15</a:t>
+              <a:t>15/01/15</a:t>
             </a:fld>
             <a:endParaRPr lang="en-US"/>
           </a:p>
@@ -7483,7 +7573,7 @@
               <a:pPr>
                 <a:defRPr/>
               </a:pPr>
-              <a:t>1/5/15</a:t>
+              <a:t>15/01/15</a:t>
             </a:fld>
             <a:endParaRPr lang="en-US"/>
           </a:p>
@@ -7804,7 +7894,7 @@
               <a:pPr>
                 <a:defRPr/>
               </a:pPr>
-              <a:t>1/5/15</a:t>
+              <a:t>15/01/15</a:t>
             </a:fld>
             <a:endParaRPr lang="en-US"/>
           </a:p>
@@ -8408,7 +8498,7 @@
               <a:pPr>
                 <a:defRPr/>
               </a:pPr>
-              <a:t>1/5/15</a:t>
+              <a:t>15/01/15</a:t>
             </a:fld>
             <a:endParaRPr lang="en-US"/>
           </a:p>
@@ -8709,7 +8799,7 @@
               <a:pPr>
                 <a:defRPr/>
               </a:pPr>
-              <a:t>1/5/15</a:t>
+              <a:t>15/01/15</a:t>
             </a:fld>
             <a:endParaRPr lang="en-US"/>
           </a:p>
@@ -24143,7 +24233,7 @@
           <a:graphicData uri="http://schemas.openxmlformats.org/presentationml/2006/ole">
             <mc:AlternateContent xmlns:mc="http://schemas.openxmlformats.org/markup-compatibility/2006">
               <mc:Choice xmlns:v="urn:schemas-microsoft-com:vml" Requires="v">
-                <p:oleObj spid="_x0000_s37906" name="Worksheet" r:id="rId3" imgW="6883400" imgH="2641600" progId="Excel.Sheet.8">
+                <p:oleObj spid="_x0000_s37909" name="Worksheet" r:id="rId3" imgW="6883400" imgH="2641600" progId="Excel.Sheet.8">
                   <p:embed/>
                 </p:oleObj>
               </mc:Choice>
@@ -25556,12 +25646,12 @@
           <a:graphicData uri="http://schemas.openxmlformats.org/presentationml/2006/ole">
             <mc:AlternateContent xmlns:mc="http://schemas.openxmlformats.org/markup-compatibility/2006">
               <mc:Choice xmlns:v="urn:schemas-microsoft-com:vml" Requires="v">
-                <p:oleObj spid="_x0000_s48144" name="Worksheet" r:id="rId3" imgW="7226300" imgH="2400300" progId="Excel.Sheet.8">
+                <p:oleObj spid="_x0000_s48148" name="Worksheet" r:id="rId4" imgW="7226300" imgH="2400300" progId="Excel.Sheet.8">
                   <p:embed/>
                 </p:oleObj>
               </mc:Choice>
               <mc:Fallback>
-                <p:oleObj name="Worksheet" r:id="rId3" imgW="7226300" imgH="2400300" progId="Excel.Sheet.8">
+                <p:oleObj name="Worksheet" r:id="rId4" imgW="7226300" imgH="2400300" progId="Excel.Sheet.8">
                   <p:embed/>
                   <p:pic>
                     <p:nvPicPr>
@@ -25572,7 +25662,7 @@
                       <p:nvPr/>
                     </p:nvPicPr>
                     <p:blipFill>
-                      <a:blip r:embed="rId4">
+                      <a:blip r:embed="rId5">
                         <a:extLst>
                           <a:ext uri="{28A0092B-C50C-407E-A947-70E740481C1C}">
                             <a14:useLocalDpi xmlns:a14="http://schemas.microsoft.com/office/drawing/2010/main" val="0"/>
@@ -25956,6 +26046,366 @@
           </a:p>
         </p:txBody>
       </p:sp>
+      <p:sp>
+        <p:nvSpPr>
+          <p:cNvPr id="4" name="TextBox 3"/>
+          <p:cNvSpPr txBox="1"/>
+          <p:nvPr/>
+        </p:nvSpPr>
+        <p:spPr>
+          <a:xfrm>
+            <a:off x="2197856" y="2990648"/>
+            <a:ext cx="1882722" cy="484748"/>
+          </a:xfrm>
+          <a:prstGeom prst="rect">
+            <a:avLst/>
+          </a:prstGeom>
+          <a:solidFill>
+            <a:schemeClr val="bg1"/>
+          </a:solidFill>
+        </p:spPr>
+        <p:txBody>
+          <a:bodyPr wrap="square" rtlCol="0">
+            <a:spAutoFit/>
+          </a:bodyPr>
+          <a:lstStyle/>
+          <a:p>
+            <a:pPr>
+              <a:lnSpc>
+                <a:spcPct val="50000"/>
+              </a:lnSpc>
+              <a:spcAft>
+                <a:spcPts val="0"/>
+              </a:spcAft>
+            </a:pPr>
+            <a:endParaRPr lang="en-US" sz="800" b="1" dirty="0" smtClean="0"/>
+          </a:p>
+          <a:p>
+            <a:pPr>
+              <a:lnSpc>
+                <a:spcPct val="50000"/>
+              </a:lnSpc>
+              <a:spcAft>
+                <a:spcPts val="0"/>
+              </a:spcAft>
+            </a:pPr>
+            <a:r>
+              <a:rPr lang="en-US" sz="1200" b="1" dirty="0" smtClean="0"/>
+              <a:t>Less Than or Equal</a:t>
+            </a:r>
+          </a:p>
+          <a:p>
+            <a:pPr>
+              <a:lnSpc>
+                <a:spcPct val="50000"/>
+              </a:lnSpc>
+              <a:spcAft>
+                <a:spcPts val="0"/>
+              </a:spcAft>
+            </a:pPr>
+            <a:endParaRPr lang="en-US" sz="1000" b="1" dirty="0"/>
+          </a:p>
+          <a:p>
+            <a:pPr>
+              <a:lnSpc>
+                <a:spcPct val="50000"/>
+              </a:lnSpc>
+              <a:spcAft>
+                <a:spcPts val="0"/>
+              </a:spcAft>
+            </a:pPr>
+            <a:endParaRPr lang="en-US" sz="500" b="1" dirty="0"/>
+          </a:p>
+          <a:p>
+            <a:pPr>
+              <a:lnSpc>
+                <a:spcPct val="50000"/>
+              </a:lnSpc>
+              <a:spcAft>
+                <a:spcPts val="0"/>
+              </a:spcAft>
+            </a:pPr>
+            <a:r>
+              <a:rPr lang="en-US" sz="1200" b="1" dirty="0" smtClean="0"/>
+              <a:t>Greater Than or Equal</a:t>
+            </a:r>
+            <a:endParaRPr lang="en-US" sz="1200" b="1" dirty="0"/>
+          </a:p>
+        </p:txBody>
+      </p:sp>
+      <p:cxnSp>
+        <p:nvCxnSpPr>
+          <p:cNvPr id="7" name="Straight Connector 6"/>
+          <p:cNvCxnSpPr/>
+          <p:nvPr/>
+        </p:nvCxnSpPr>
+        <p:spPr>
+          <a:xfrm>
+            <a:off x="2197856" y="3228885"/>
+            <a:ext cx="1882722" cy="0"/>
+          </a:xfrm>
+          <a:prstGeom prst="line">
+            <a:avLst/>
+          </a:prstGeom>
+          <a:ln w="19050" cmpd="sng"/>
+        </p:spPr>
+        <p:style>
+          <a:lnRef idx="2">
+            <a:schemeClr val="dk1"/>
+          </a:lnRef>
+          <a:fillRef idx="0">
+            <a:schemeClr val="dk1"/>
+          </a:fillRef>
+          <a:effectRef idx="1">
+            <a:schemeClr val="dk1"/>
+          </a:effectRef>
+          <a:fontRef idx="minor">
+            <a:schemeClr val="tx1"/>
+          </a:fontRef>
+        </p:style>
+      </p:cxnSp>
+      <p:cxnSp>
+        <p:nvCxnSpPr>
+          <p:cNvPr id="9" name="Straight Connector 8"/>
+          <p:cNvCxnSpPr/>
+          <p:nvPr/>
+        </p:nvCxnSpPr>
+        <p:spPr>
+          <a:xfrm flipV="1">
+            <a:off x="2197576" y="3467574"/>
+            <a:ext cx="1883002" cy="1128"/>
+          </a:xfrm>
+          <a:prstGeom prst="line">
+            <a:avLst/>
+          </a:prstGeom>
+          <a:ln w="19050" cmpd="sng"/>
+        </p:spPr>
+        <p:style>
+          <a:lnRef idx="2">
+            <a:schemeClr val="dk1"/>
+          </a:lnRef>
+          <a:fillRef idx="0">
+            <a:schemeClr val="dk1"/>
+          </a:fillRef>
+          <a:effectRef idx="1">
+            <a:schemeClr val="dk1"/>
+          </a:effectRef>
+          <a:fontRef idx="minor">
+            <a:schemeClr val="tx1"/>
+          </a:fontRef>
+        </p:style>
+      </p:cxnSp>
+      <p:cxnSp>
+        <p:nvCxnSpPr>
+          <p:cNvPr id="10" name="Straight Connector 9"/>
+          <p:cNvCxnSpPr/>
+          <p:nvPr/>
+        </p:nvCxnSpPr>
+        <p:spPr>
+          <a:xfrm flipV="1">
+            <a:off x="2197296" y="2983426"/>
+            <a:ext cx="1882722" cy="7222"/>
+          </a:xfrm>
+          <a:prstGeom prst="line">
+            <a:avLst/>
+          </a:prstGeom>
+          <a:ln w="19050" cmpd="sng"/>
+        </p:spPr>
+        <p:style>
+          <a:lnRef idx="2">
+            <a:schemeClr val="dk1"/>
+          </a:lnRef>
+          <a:fillRef idx="0">
+            <a:schemeClr val="dk1"/>
+          </a:fillRef>
+          <a:effectRef idx="1">
+            <a:schemeClr val="dk1"/>
+          </a:effectRef>
+          <a:fontRef idx="minor">
+            <a:schemeClr val="tx1"/>
+          </a:fontRef>
+        </p:style>
+      </p:cxnSp>
+      <p:sp>
+        <p:nvSpPr>
+          <p:cNvPr id="12" name="TextBox 11"/>
+          <p:cNvSpPr txBox="1"/>
+          <p:nvPr/>
+        </p:nvSpPr>
+        <p:spPr>
+          <a:xfrm>
+            <a:off x="6028001" y="2990648"/>
+            <a:ext cx="1711565" cy="484748"/>
+          </a:xfrm>
+          <a:prstGeom prst="rect">
+            <a:avLst/>
+          </a:prstGeom>
+          <a:solidFill>
+            <a:schemeClr val="bg1"/>
+          </a:solidFill>
+        </p:spPr>
+        <p:txBody>
+          <a:bodyPr wrap="square" rtlCol="0">
+            <a:spAutoFit/>
+          </a:bodyPr>
+          <a:lstStyle/>
+          <a:p>
+            <a:pPr algn="ctr">
+              <a:lnSpc>
+                <a:spcPct val="50000"/>
+              </a:lnSpc>
+              <a:spcAft>
+                <a:spcPts val="0"/>
+              </a:spcAft>
+            </a:pPr>
+            <a:endParaRPr lang="en-US" sz="800" b="1" dirty="0" smtClean="0"/>
+          </a:p>
+          <a:p>
+            <a:pPr algn="ctr">
+              <a:lnSpc>
+                <a:spcPct val="50000"/>
+              </a:lnSpc>
+              <a:spcAft>
+                <a:spcPts val="0"/>
+              </a:spcAft>
+            </a:pPr>
+            <a:r>
+              <a:rPr lang="en-US" sz="1200" b="1" dirty="0" smtClean="0"/>
+              <a:t>FALSE</a:t>
+            </a:r>
+          </a:p>
+          <a:p>
+            <a:pPr algn="ctr">
+              <a:lnSpc>
+                <a:spcPct val="50000"/>
+              </a:lnSpc>
+              <a:spcAft>
+                <a:spcPts val="0"/>
+              </a:spcAft>
+            </a:pPr>
+            <a:endParaRPr lang="en-US" sz="1000" b="1" dirty="0" smtClean="0"/>
+          </a:p>
+          <a:p>
+            <a:pPr algn="ctr">
+              <a:lnSpc>
+                <a:spcPct val="50000"/>
+              </a:lnSpc>
+              <a:spcAft>
+                <a:spcPts val="0"/>
+              </a:spcAft>
+            </a:pPr>
+            <a:endParaRPr lang="en-US" sz="500" b="1" dirty="0" smtClean="0"/>
+          </a:p>
+          <a:p>
+            <a:pPr algn="ctr">
+              <a:lnSpc>
+                <a:spcPct val="50000"/>
+              </a:lnSpc>
+              <a:spcAft>
+                <a:spcPts val="0"/>
+              </a:spcAft>
+            </a:pPr>
+            <a:r>
+              <a:rPr lang="en-US" sz="1200" b="1" dirty="0" smtClean="0"/>
+              <a:t>TRUE</a:t>
+            </a:r>
+            <a:endParaRPr lang="en-US" sz="1200" b="1" dirty="0"/>
+          </a:p>
+        </p:txBody>
+      </p:sp>
+      <p:cxnSp>
+        <p:nvCxnSpPr>
+          <p:cNvPr id="13" name="Straight Connector 12"/>
+          <p:cNvCxnSpPr/>
+          <p:nvPr/>
+        </p:nvCxnSpPr>
+        <p:spPr>
+          <a:xfrm>
+            <a:off x="5707121" y="3467574"/>
+            <a:ext cx="2070994" cy="0"/>
+          </a:xfrm>
+          <a:prstGeom prst="line">
+            <a:avLst/>
+          </a:prstGeom>
+          <a:ln w="19050" cmpd="sng"/>
+        </p:spPr>
+        <p:style>
+          <a:lnRef idx="2">
+            <a:schemeClr val="dk1"/>
+          </a:lnRef>
+          <a:fillRef idx="0">
+            <a:schemeClr val="dk1"/>
+          </a:fillRef>
+          <a:effectRef idx="1">
+            <a:schemeClr val="dk1"/>
+          </a:effectRef>
+          <a:fontRef idx="minor">
+            <a:schemeClr val="tx1"/>
+          </a:fontRef>
+        </p:style>
+      </p:cxnSp>
+      <p:cxnSp>
+        <p:nvCxnSpPr>
+          <p:cNvPr id="16" name="Straight Connector 15"/>
+          <p:cNvCxnSpPr/>
+          <p:nvPr/>
+        </p:nvCxnSpPr>
+        <p:spPr>
+          <a:xfrm>
+            <a:off x="5859521" y="3225990"/>
+            <a:ext cx="2070994" cy="0"/>
+          </a:xfrm>
+          <a:prstGeom prst="line">
+            <a:avLst/>
+          </a:prstGeom>
+          <a:ln w="19050" cmpd="sng"/>
+        </p:spPr>
+        <p:style>
+          <a:lnRef idx="2">
+            <a:schemeClr val="dk1"/>
+          </a:lnRef>
+          <a:fillRef idx="0">
+            <a:schemeClr val="dk1"/>
+          </a:fillRef>
+          <a:effectRef idx="1">
+            <a:schemeClr val="dk1"/>
+          </a:effectRef>
+          <a:fontRef idx="minor">
+            <a:schemeClr val="tx1"/>
+          </a:fontRef>
+        </p:style>
+      </p:cxnSp>
+      <p:cxnSp>
+        <p:nvCxnSpPr>
+          <p:cNvPr id="17" name="Straight Connector 16"/>
+          <p:cNvCxnSpPr/>
+          <p:nvPr/>
+        </p:nvCxnSpPr>
+        <p:spPr>
+          <a:xfrm>
+            <a:off x="5866769" y="2994774"/>
+            <a:ext cx="2070994" cy="0"/>
+          </a:xfrm>
+          <a:prstGeom prst="line">
+            <a:avLst/>
+          </a:prstGeom>
+          <a:ln w="19050" cmpd="sng"/>
+        </p:spPr>
+        <p:style>
+          <a:lnRef idx="2">
+            <a:schemeClr val="dk1"/>
+          </a:lnRef>
+          <a:fillRef idx="0">
+            <a:schemeClr val="dk1"/>
+          </a:fillRef>
+          <a:effectRef idx="1">
+            <a:schemeClr val="dk1"/>
+          </a:effectRef>
+          <a:fontRef idx="minor">
+            <a:schemeClr val="tx1"/>
+          </a:fontRef>
+        </p:style>
+      </p:cxnSp>
     </p:spTree>
   </p:cSld>
   <p:clrMapOvr>
@@ -26053,7 +26503,7 @@
           <a:graphicData uri="http://schemas.openxmlformats.org/presentationml/2006/ole">
             <mc:AlternateContent xmlns:mc="http://schemas.openxmlformats.org/markup-compatibility/2006">
               <mc:Choice xmlns:v="urn:schemas-microsoft-com:vml" Requires="v">
-                <p:oleObj spid="_x0000_s49168" name="Worksheet" r:id="rId3" imgW="7226300" imgH="2400300" progId="Excel.Sheet.8">
+                <p:oleObj spid="_x0000_s49171" name="Worksheet" r:id="rId3" imgW="7226300" imgH="2400300" progId="Excel.Sheet.8">
                   <p:embed/>
                 </p:oleObj>
               </mc:Choice>
@@ -30777,7 +31227,47 @@
                 <a:latin typeface="Courier New" charset="0"/>
                 <a:ea typeface="+mn-ea"/>
               </a:rPr>
-              <a:t> is $I\n</a:t>
+              <a:t> is </a:t>
+            </a:r>
+            <a:r>
+              <a:rPr lang="en-US" sz="1900" dirty="0" smtClean="0">
+                <a:solidFill>
+                  <a:srgbClr val="FF0000"/>
+                </a:solidFill>
+                <a:latin typeface="Courier New" charset="0"/>
+                <a:ea typeface="+mn-ea"/>
+              </a:rPr>
+              <a:t>$</a:t>
+            </a:r>
+            <a:r>
+              <a:rPr lang="en-US" sz="1900" dirty="0" err="1" smtClean="0">
+                <a:solidFill>
+                  <a:srgbClr val="FF0000"/>
+                </a:solidFill>
+                <a:latin typeface="Courier New" charset="0"/>
+                <a:ea typeface="+mn-ea"/>
+              </a:rPr>
+              <a:t>i</a:t>
+            </a:r>
+            <a:r>
+              <a:rPr lang="en-US" sz="1900" dirty="0" smtClean="0">
+                <a:solidFill>
+                  <a:srgbClr val="FF0000"/>
+                </a:solidFill>
+                <a:latin typeface="Courier New" charset="0"/>
+                <a:ea typeface="+mn-ea"/>
+              </a:rPr>
+              <a:t>\</a:t>
+            </a:r>
+            <a:r>
+              <a:rPr lang="en-US" sz="1900" dirty="0">
+                <a:solidFill>
+                  <a:srgbClr val="FF0000"/>
+                </a:solidFill>
+                <a:latin typeface="Courier New" charset="0"/>
+                <a:ea typeface="+mn-ea"/>
+              </a:rPr>
+              <a:t>n</a:t>
             </a:r>
             <a:r>
               <a:rPr lang="ja-JP" altLang="en-US" sz="1900" dirty="0">
@@ -31807,7 +32297,7 @@
         </p:spPr>
         <p:txBody>
           <a:bodyPr rtlCol="0">
-            <a:normAutofit lnSpcReduction="10000"/>
+            <a:normAutofit/>
           </a:bodyPr>
           <a:lstStyle/>
           <a:p>
@@ -31817,10 +32307,65 @@
               <a:defRPr/>
             </a:pPr>
             <a:r>
+              <a:rPr lang="en-US" dirty="0" smtClean="0">
+                <a:latin typeface="Courier New" charset="0"/>
+              </a:rPr>
+              <a:t>my $</a:t>
+            </a:r>
+            <a:r>
               <a:rPr lang="en-US" dirty="0">
                 <a:latin typeface="Courier New" charset="0"/>
               </a:rPr>
-              <a:t> $num1=6;</a:t>
+              <a:t>num1=6</a:t>
+            </a:r>
+            <a:r>
+              <a:rPr lang="en-US" dirty="0" smtClean="0">
+                <a:latin typeface="Courier New" charset="0"/>
+              </a:rPr>
+              <a:t>;</a:t>
+            </a:r>
+          </a:p>
+          <a:p>
+            <a:pPr eaLnBrk="1" hangingPunct="1">
+              <a:buFontTx/>
+              <a:buNone/>
+              <a:defRPr/>
+            </a:pPr>
+            <a:r>
+              <a:rPr lang="en-US" dirty="0" smtClean="0">
+                <a:latin typeface="Courier New" charset="0"/>
+              </a:rPr>
+              <a:t>while </a:t>
+            </a:r>
+            <a:r>
+              <a:rPr lang="en-US" dirty="0">
+                <a:latin typeface="Courier New" charset="0"/>
+              </a:rPr>
+              <a:t>($num1 &lt; </a:t>
+            </a:r>
+            <a:r>
+              <a:rPr lang="en-US" dirty="0" smtClean="0">
+                <a:latin typeface="Courier New" charset="0"/>
+              </a:rPr>
+              <a:t>12</a:t>
+            </a:r>
+            <a:r>
+              <a:rPr lang="en-US" dirty="0">
+                <a:latin typeface="Courier New" charset="0"/>
+              </a:rPr>
+              <a:t>)</a:t>
+            </a:r>
+            <a:r>
+              <a:rPr lang="en-US" dirty="0" smtClean="0">
+                <a:latin typeface="Courier New" charset="0"/>
+              </a:rPr>
+              <a:t>{</a:t>
+            </a:r>
+            <a:r>
+              <a:rPr lang="en-US" dirty="0">
+                <a:latin typeface="Courier New" charset="0"/>
+              </a:rPr>
+              <a:t/>
             </a:r>
             <a:br>
               <a:rPr lang="en-US" dirty="0">
@@ -31831,7 +32376,7 @@
               <a:rPr lang="en-US" dirty="0">
                 <a:latin typeface="Courier New" charset="0"/>
               </a:rPr>
-              <a:t>while ($num1 &lt; 12)</a:t>
+              <a:t>print $num1;</a:t>
             </a:r>
             <a:br>
               <a:rPr lang="en-US" dirty="0">
@@ -31842,48 +32387,27 @@
               <a:rPr lang="en-US" dirty="0">
                 <a:latin typeface="Courier New" charset="0"/>
               </a:rPr>
-              <a:t>{</a:t>
-            </a:r>
-            <a:br>
-              <a:rPr lang="en-US" dirty="0">
+              <a:t>$num1++</a:t>
+            </a:r>
+            <a:r>
+              <a:rPr lang="en-US" dirty="0" smtClean="0">
                 <a:latin typeface="Courier New" charset="0"/>
               </a:rPr>
-            </a:br>
-            <a:r>
-              <a:rPr lang="en-US" dirty="0">
+              <a:t>;</a:t>
+            </a:r>
+          </a:p>
+          <a:p>
+            <a:pPr eaLnBrk="1" hangingPunct="1">
+              <a:buFontTx/>
+              <a:buNone/>
+              <a:defRPr/>
+            </a:pPr>
+            <a:r>
+              <a:rPr lang="en-US" dirty="0" smtClean="0">
                 <a:latin typeface="Courier New" charset="0"/>
               </a:rPr>
-              <a:t>print $num1;</a:t>
-            </a:r>
-            <a:br>
-              <a:rPr lang="en-US" dirty="0">
-                <a:latin typeface="Courier New" charset="0"/>
-              </a:rPr>
-            </a:br>
-            <a:r>
-              <a:rPr lang="en-US" dirty="0">
-                <a:latin typeface="Courier New" charset="0"/>
-              </a:rPr>
-              <a:t>$num1++;</a:t>
-            </a:r>
-            <a:br>
-              <a:rPr lang="en-US" dirty="0">
-                <a:latin typeface="Courier New" charset="0"/>
-              </a:rPr>
-            </a:br>
-            <a:r>
-              <a:rPr lang="en-US" dirty="0">
-                <a:latin typeface="Courier New" charset="0"/>
-              </a:rPr>
               <a:t>}</a:t>
             </a:r>
-          </a:p>
-          <a:p>
-            <a:pPr marL="0" indent="0" eaLnBrk="1" hangingPunct="1">
-              <a:buFont typeface="Arial" charset="0"/>
-              <a:buNone/>
-              <a:defRPr/>
-            </a:pPr>
             <a:endParaRPr lang="en-US" dirty="0" smtClean="0"/>
           </a:p>
           <a:p>
